--- a/tutorial.pptx
+++ b/tutorial.pptx
@@ -6175,13 +6175,13 @@
         </p:nvSpPr>
         <p:spPr>
           <a:xfrm>
-            <a:off x="1404926" y="2849782"/>
-            <a:ext cx="6400800" cy="1281556"/>
+            <a:off x="3537732" y="2849782"/>
+            <a:ext cx="4267994" cy="1581490"/>
           </a:xfrm>
         </p:spPr>
         <p:txBody>
           <a:bodyPr>
-            <a:normAutofit fontScale="85000" lnSpcReduction="20000"/>
+            <a:normAutofit fontScale="92500" lnSpcReduction="10000"/>
           </a:bodyPr>
           <a:lstStyle/>
           <a:p>
@@ -6205,7 +6205,15 @@
           <a:p>
             <a:r>
               <a:rPr lang="en-US" dirty="0" smtClean="0"/>
-              <a:t>Nikhil Jain and Michael Robson</a:t>
+              <a:t>Nikhil </a:t>
+            </a:r>
+            <a:r>
+              <a:rPr lang="en-US" dirty="0" smtClean="0"/>
+              <a:t>Jain, </a:t>
+            </a:r>
+            <a:r>
+              <a:rPr lang="en-US" dirty="0" smtClean="0"/>
+              <a:t>and Michael Robson</a:t>
             </a:r>
           </a:p>
           <a:p>
@@ -6236,8 +6244,8 @@
         </p:nvSpPr>
         <p:spPr>
           <a:xfrm>
-            <a:off x="1404938" y="4431272"/>
-            <a:ext cx="6400800" cy="1030418"/>
+            <a:off x="3388881" y="4431272"/>
+            <a:ext cx="4969495" cy="1030418"/>
           </a:xfrm>
         </p:spPr>
         <p:txBody>
@@ -6260,6 +6268,36 @@
           </a:p>
         </p:txBody>
       </p:sp>
+      <p:pic>
+        <p:nvPicPr>
+          <p:cNvPr id="5" name="Picture 4" descr="Charm++.png"/>
+          <p:cNvPicPr>
+            <a:picLocks noChangeAspect="1"/>
+          </p:cNvPicPr>
+          <p:nvPr/>
+        </p:nvPicPr>
+        <p:blipFill>
+          <a:blip r:embed="rId2">
+            <a:extLst>
+              <a:ext uri="{28A0092B-C50C-407E-A947-70E740481C1C}">
+                <a14:useLocalDpi xmlns:a14="http://schemas.microsoft.com/office/drawing/2010/main" val="0"/>
+              </a:ext>
+            </a:extLst>
+          </a:blip>
+          <a:stretch>
+            <a:fillRect/>
+          </a:stretch>
+        </p:blipFill>
+        <p:spPr>
+          <a:xfrm>
+            <a:off x="224291" y="2484452"/>
+            <a:ext cx="3151632" cy="3157728"/>
+          </a:xfrm>
+          <a:prstGeom prst="rect">
+            <a:avLst/>
+          </a:prstGeom>
+        </p:spPr>
+      </p:pic>
     </p:spTree>
     <p:extLst>
       <p:ext uri="{BB962C8B-B14F-4D97-AF65-F5344CB8AC3E}">

--- a/tutorial.pptx
+++ b/tutorial.pptx
@@ -5,15 +5,16 @@
     <p:sldMasterId id="2147483974" r:id="rId1"/>
   </p:sldMasterIdLst>
   <p:notesMasterIdLst>
-    <p:notesMasterId r:id="rId5"/>
+    <p:notesMasterId r:id="rId6"/>
   </p:notesMasterIdLst>
   <p:handoutMasterIdLst>
-    <p:handoutMasterId r:id="rId6"/>
+    <p:handoutMasterId r:id="rId7"/>
   </p:handoutMasterIdLst>
   <p:sldIdLst>
     <p:sldId id="293" r:id="rId2"/>
     <p:sldId id="292" r:id="rId3"/>
     <p:sldId id="299" r:id="rId4"/>
+    <p:sldId id="300" r:id="rId5"/>
   </p:sldIdLst>
   <p:sldSz cx="9144000" cy="6858000" type="screen4x3"/>
   <p:notesSz cx="6858000" cy="9144000"/>
@@ -6860,6 +6861,132 @@
     <p:extLst>
       <p:ext uri="{BB962C8B-B14F-4D97-AF65-F5344CB8AC3E}">
         <p14:creationId xmlns:p14="http://schemas.microsoft.com/office/powerpoint/2010/main" val="1440662259"/>
+      </p:ext>
+    </p:extLst>
+  </p:cSld>
+  <p:clrMapOvr>
+    <a:masterClrMapping/>
+  </p:clrMapOvr>
+  <p:timing>
+    <p:tnLst>
+      <p:par>
+        <p:cTn xmlns:p14="http://schemas.microsoft.com/office/powerpoint/2010/main" id="1" dur="indefinite" restart="never" nodeType="tmRoot"/>
+      </p:par>
+    </p:tnLst>
+  </p:timing>
+</p:sld>
+</file>
+
+<file path=ppt/slides/slide4.xml><?xml version="1.0" encoding="utf-8"?>
+<p:sld xmlns:a="http://schemas.openxmlformats.org/drawingml/2006/main" xmlns:r="http://schemas.openxmlformats.org/officeDocument/2006/relationships" xmlns:p="http://schemas.openxmlformats.org/presentationml/2006/main">
+  <p:cSld>
+    <p:spTree>
+      <p:nvGrpSpPr>
+        <p:cNvPr id="1" name=""/>
+        <p:cNvGrpSpPr/>
+        <p:nvPr/>
+      </p:nvGrpSpPr>
+      <p:grpSpPr>
+        <a:xfrm>
+          <a:off x="0" y="0"/>
+          <a:ext cx="0" cy="0"/>
+          <a:chOff x="0" y="0"/>
+          <a:chExt cx="0" cy="0"/>
+        </a:xfrm>
+      </p:grpSpPr>
+      <p:sp>
+        <p:nvSpPr>
+          <p:cNvPr id="2" name="Title 1"/>
+          <p:cNvSpPr>
+            <a:spLocks noGrp="1"/>
+          </p:cNvSpPr>
+          <p:nvPr>
+            <p:ph type="title"/>
+          </p:nvPr>
+        </p:nvSpPr>
+        <p:spPr/>
+        <p:txBody>
+          <a:bodyPr/>
+          <a:lstStyle/>
+          <a:p>
+            <a:endParaRPr lang="en-US" dirty="0"/>
+          </a:p>
+        </p:txBody>
+      </p:sp>
+      <p:sp>
+        <p:nvSpPr>
+          <p:cNvPr id="3" name="Content Placeholder 2"/>
+          <p:cNvSpPr>
+            <a:spLocks noGrp="1"/>
+          </p:cNvSpPr>
+          <p:nvPr>
+            <p:ph idx="1"/>
+          </p:nvPr>
+        </p:nvSpPr>
+        <p:spPr/>
+        <p:txBody>
+          <a:bodyPr/>
+          <a:lstStyle/>
+          <a:p>
+            <a:pPr marL="0" indent="0">
+              <a:buNone/>
+            </a:pPr>
+            <a:endParaRPr lang="en-US" dirty="0"/>
+          </a:p>
+        </p:txBody>
+      </p:sp>
+      <p:sp>
+        <p:nvSpPr>
+          <p:cNvPr id="4" name="Footer Placeholder 3"/>
+          <p:cNvSpPr>
+            <a:spLocks noGrp="1"/>
+          </p:cNvSpPr>
+          <p:nvPr>
+            <p:ph type="ftr" sz="quarter" idx="11"/>
+          </p:nvPr>
+        </p:nvSpPr>
+        <p:spPr/>
+        <p:txBody>
+          <a:bodyPr/>
+          <a:lstStyle/>
+          <a:p>
+            <a:pPr algn="r"/>
+            <a:r>
+              <a:rPr lang="en-US" smtClean="0"/>
+              <a:t>Laxmikant Kalé and PPL (UIUC) – Parallel Migratable Objects </a:t>
+            </a:r>
+            <a:endParaRPr lang="en-US" dirty="0"/>
+          </a:p>
+        </p:txBody>
+      </p:sp>
+      <p:sp>
+        <p:nvSpPr>
+          <p:cNvPr id="5" name="Slide Number Placeholder 4"/>
+          <p:cNvSpPr>
+            <a:spLocks noGrp="1"/>
+          </p:cNvSpPr>
+          <p:nvPr>
+            <p:ph type="sldNum" sz="quarter" idx="12"/>
+          </p:nvPr>
+        </p:nvSpPr>
+        <p:spPr/>
+        <p:txBody>
+          <a:bodyPr/>
+          <a:lstStyle/>
+          <a:p>
+            <a:fld id="{0CFEC368-1D7A-4F81-ABF6-AE0E36BAF64C}" type="slidenum">
+              <a:rPr lang="en-US" smtClean="0"/>
+              <a:pPr/>
+              <a:t>4</a:t>
+            </a:fld>
+            <a:endParaRPr lang="en-US"/>
+          </a:p>
+        </p:txBody>
+      </p:sp>
+    </p:spTree>
+    <p:extLst>
+      <p:ext uri="{BB962C8B-B14F-4D97-AF65-F5344CB8AC3E}">
+        <p14:creationId xmlns:p14="http://schemas.microsoft.com/office/powerpoint/2010/main" val="38438303"/>
       </p:ext>
     </p:extLst>
   </p:cSld>

--- a/tutorial.pptx
+++ b/tutorial.pptx
@@ -204,7 +204,7 @@
           <a:p>
             <a:fld id="{775CE290-E0F5-444C-B849-A8F17CD4104C}" type="datetimeFigureOut">
               <a:rPr lang="en-US" smtClean="0"/>
-              <a:t>11/16/14</a:t>
+              <a:t>11/17/14</a:t>
             </a:fld>
             <a:endParaRPr lang="en-US"/>
           </a:p>
@@ -370,7 +370,7 @@
           <a:p>
             <a:fld id="{AD53A24C-4135-094C-957B-35852E7EDFA4}" type="datetimeFigureOut">
               <a:rPr lang="en-US" smtClean="0"/>
-              <a:t>11/16/14</a:t>
+              <a:t>11/17/14</a:t>
             </a:fld>
             <a:endParaRPr lang="en-US"/>
           </a:p>
@@ -831,7 +831,7 @@
           <a:p>
             <a:fld id="{6322DEDD-CB19-7B41-B3A3-96A46A86F849}" type="datetime2">
               <a:rPr lang="en-US" smtClean="0"/>
-              <a:t>Sunday, November 16, 14</a:t>
+              <a:t>Monday, November 17, 14</a:t>
             </a:fld>
             <a:endParaRPr lang="en-US"/>
           </a:p>
@@ -1197,7 +1197,7 @@
           <a:p>
             <a:fld id="{2E234249-5D60-BD48-9430-4EF007AF400D}" type="datetime2">
               <a:rPr lang="en-US" smtClean="0"/>
-              <a:t>Sunday, November 16, 14</a:t>
+              <a:t>Monday, November 17, 14</a:t>
             </a:fld>
             <a:endParaRPr lang="en-US"/>
           </a:p>
@@ -1508,7 +1508,7 @@
           <a:p>
             <a:fld id="{9705E542-A13C-E44E-916E-DF7B9A8E3F09}" type="datetime2">
               <a:rPr lang="en-US" smtClean="0"/>
-              <a:t>Sunday, November 16, 14</a:t>
+              <a:t>Monday, November 17, 14</a:t>
             </a:fld>
             <a:endParaRPr lang="en-US"/>
           </a:p>
@@ -1679,7 +1679,7 @@
           <a:p>
             <a:fld id="{072A4089-3FA6-DA44-A92F-F4C87E6D07AA}" type="datetime2">
               <a:rPr lang="en-US" smtClean="0"/>
-              <a:t>Sunday, November 16, 14</a:t>
+              <a:t>Monday, November 17, 14</a:t>
             </a:fld>
             <a:endParaRPr lang="en-US"/>
           </a:p>
@@ -1860,7 +1860,7 @@
           <a:p>
             <a:fld id="{D786F1F4-FFF7-1140-A9B0-DE312B5E0315}" type="datetime2">
               <a:rPr lang="en-US" smtClean="0"/>
-              <a:t>Sunday, November 16, 14</a:t>
+              <a:t>Monday, November 17, 14</a:t>
             </a:fld>
             <a:endParaRPr lang="en-US"/>
           </a:p>
@@ -2114,7 +2114,7 @@
           <a:p>
             <a:fld id="{7B78C820-7D2F-7547-92A0-CA2F5575EC8E}" type="datetime2">
               <a:rPr lang="en-US" smtClean="0"/>
-              <a:t>Sunday, November 16, 14</a:t>
+              <a:t>Monday, November 17, 14</a:t>
             </a:fld>
             <a:endParaRPr lang="en-US"/>
           </a:p>
@@ -2417,7 +2417,7 @@
                 <a:latin typeface="Times New Roman"/>
                 <a:cs typeface="Times New Roman"/>
               </a:rPr>
-              <a:t>November 16, 2014</a:t>
+              <a:t>November 17, 2014</a:t>
             </a:fld>
             <a:endParaRPr lang="en-US" dirty="0">
               <a:latin typeface="Times New Roman"/>
@@ -2543,7 +2543,7 @@
           <a:p>
             <a:fld id="{88704298-9889-6044-AADE-5A8A0C8DAB00}" type="datetime2">
               <a:rPr lang="en-US" smtClean="0"/>
-              <a:t>Sunday, November 16, 14</a:t>
+              <a:t>Monday, November 17, 14</a:t>
             </a:fld>
             <a:endParaRPr lang="en-US" dirty="0"/>
           </a:p>
@@ -3072,7 +3072,7 @@
           <a:p>
             <a:fld id="{592EE007-6836-D34C-883E-7D9BE6B19AD8}" type="datetime2">
               <a:rPr lang="en-US" smtClean="0"/>
-              <a:t>Sunday, November 16, 14</a:t>
+              <a:t>Monday, November 17, 14</a:t>
             </a:fld>
             <a:endParaRPr lang="en-US" dirty="0"/>
           </a:p>
@@ -3368,7 +3368,7 @@
           <a:p>
             <a:fld id="{12831F4D-3A8F-494F-9DA4-6D73DACAD5D1}" type="datetime2">
               <a:rPr lang="en-US" smtClean="0"/>
-              <a:t>Sunday, November 16, 14</a:t>
+              <a:t>Monday, November 17, 14</a:t>
             </a:fld>
             <a:endParaRPr lang="en-US"/>
           </a:p>
@@ -3487,7 +3487,7 @@
           <a:p>
             <a:fld id="{1885844E-F6D4-C242-9BCC-77A036DD24A6}" type="datetime2">
               <a:rPr lang="en-US" smtClean="0"/>
-              <a:t>Sunday, November 16, 14</a:t>
+              <a:t>Monday, November 17, 14</a:t>
             </a:fld>
             <a:endParaRPr lang="en-US" dirty="0"/>
           </a:p>
@@ -3974,7 +3974,7 @@
           <a:p>
             <a:fld id="{7262D80D-A392-4247-AFBC-7102743F1A84}" type="datetime2">
               <a:rPr lang="en-US" smtClean="0"/>
-              <a:t>Sunday, November 16, 14</a:t>
+              <a:t>Monday, November 17, 14</a:t>
             </a:fld>
             <a:endParaRPr lang="en-US"/>
           </a:p>
@@ -4305,7 +4305,7 @@
           <a:p>
             <a:fld id="{DD7491D7-24E7-A845-B857-101B96DD94D1}" type="datetime2">
               <a:rPr lang="en-US" smtClean="0"/>
-              <a:t>Sunday, November 16, 14</a:t>
+              <a:t>Monday, November 17, 14</a:t>
             </a:fld>
             <a:endParaRPr lang="en-US" dirty="0"/>
           </a:p>
@@ -4784,7 +4784,7 @@
           <a:p>
             <a:fld id="{3E6F258E-1154-2B41-97B4-5D60F887F20A}" type="datetime2">
               <a:rPr lang="en-US" smtClean="0"/>
-              <a:t>Sunday, November 16, 14</a:t>
+              <a:t>Monday, November 17, 14</a:t>
             </a:fld>
             <a:endParaRPr lang="en-US"/>
           </a:p>
@@ -5080,7 +5080,7 @@
           <a:p>
             <a:fld id="{06932C20-E70C-D041-A342-6272B8A473D0}" type="datetime2">
               <a:rPr lang="en-US" smtClean="0"/>
-              <a:t>Sunday, November 16, 14</a:t>
+              <a:t>Monday, November 17, 14</a:t>
             </a:fld>
             <a:endParaRPr lang="en-US" dirty="0"/>
           </a:p>
@@ -5323,7 +5323,7 @@
           <a:p>
             <a:fld id="{DB322B7F-F398-0E49-A1CC-774D006199D8}" type="datetime2">
               <a:rPr lang="en-US" smtClean="0"/>
-              <a:t>Sunday, November 16, 14</a:t>
+              <a:t>Monday, November 17, 14</a:t>
             </a:fld>
             <a:endParaRPr lang="en-US"/>
           </a:p>
@@ -5419,7 +5419,7 @@
           <a:p>
             <a:fld id="{0073CBB2-0C37-D048-AB3B-D87682AAF749}" type="datetime2">
               <a:rPr lang="en-US" smtClean="0"/>
-              <a:t>Sunday, November 16, 14</a:t>
+              <a:t>Monday, November 17, 14</a:t>
             </a:fld>
             <a:endParaRPr lang="en-US"/>
           </a:p>
@@ -5734,7 +5734,7 @@
           <a:p>
             <a:fld id="{F7B06053-71B6-CF4D-A79D-408193CCDC34}" type="datetime2">
               <a:rPr lang="en-US" smtClean="0"/>
-              <a:t>Sunday, November 16, 14</a:t>
+              <a:t>Monday, November 17, 14</a:t>
             </a:fld>
             <a:endParaRPr lang="en-US" dirty="0"/>
           </a:p>
@@ -6206,15 +6206,7 @@
           <a:p>
             <a:r>
               <a:rPr lang="en-US" dirty="0" smtClean="0"/>
-              <a:t>Nikhil </a:t>
-            </a:r>
-            <a:r>
-              <a:rPr lang="en-US" dirty="0" smtClean="0"/>
-              <a:t>Jain, </a:t>
-            </a:r>
-            <a:r>
-              <a:rPr lang="en-US" dirty="0" smtClean="0"/>
-              <a:t>and Michael Robson</a:t>
+              <a:t>Nikhil Jain, and Michael Robson</a:t>
             </a:r>
           </a:p>
           <a:p>
@@ -6345,7 +6337,7 @@
         <p:spPr>
           <a:xfrm>
             <a:off x="243550" y="2750055"/>
-            <a:ext cx="8663424" cy="1061829"/>
+            <a:ext cx="8663424" cy="1708160"/>
           </a:xfrm>
           <a:prstGeom prst="rect">
             <a:avLst/>
@@ -6360,11 +6352,51 @@
             <a:pPr algn="ctr"/>
             <a:r>
               <a:rPr lang="en-US" sz="2100" dirty="0"/>
-              <a:t>Manual: </a:t>
+              <a:t>Slides at: </a:t>
+            </a:r>
+            <a:r>
+              <a:rPr lang="en-US" sz="2100" dirty="0">
+                <a:hlinkClick r:id="rId2"/>
+              </a:rPr>
+              <a:t>http://charm.cs.illinois.edu/~nikhil</a:t>
+            </a:r>
+            <a:r>
+              <a:rPr lang="en-US" sz="2100">
+                <a:hlinkClick r:id="rId2"/>
+              </a:rPr>
+              <a:t>/</a:t>
+            </a:r>
+            <a:r>
+              <a:rPr lang="en-US" sz="2100">
+                <a:hlinkClick r:id="rId2"/>
+              </a:rPr>
+              <a:t>presentations</a:t>
+            </a:r>
+            <a:r>
+              <a:rPr lang="en-US" sz="2100" smtClean="0">
+                <a:hlinkClick r:id="rId2"/>
+              </a:rPr>
+              <a:t>/</a:t>
+            </a:r>
+            <a:endParaRPr lang="en-US" sz="2100" smtClean="0"/>
+          </a:p>
+          <a:p>
+            <a:pPr algn="ctr"/>
+            <a:endParaRPr lang="en-US" sz="2100"/>
+          </a:p>
+          <a:p>
+            <a:pPr algn="ctr"/>
+            <a:r>
+              <a:rPr lang="en-US" sz="2100" dirty="0" smtClean="0"/>
+              <a:t>Manual</a:t>
+            </a:r>
+            <a:r>
+              <a:rPr lang="en-US" sz="2100" dirty="0"/>
+              <a:t>: </a:t>
             </a:r>
             <a:r>
               <a:rPr lang="en-US" sz="2100" dirty="0" smtClean="0">
-                <a:hlinkClick r:id="rId2" tooltip="http://charm.cs.illinois.edu/manuals/html/charm++/manual.html"/>
+                <a:hlinkClick r:id="rId3" tooltip="http://charm.cs.illinois.edu/manuals/html/charm++/manual.html"/>
               </a:rPr>
               <a:t>http://charm.cs.illinois.edu/manuals/html/charm++/manual.html</a:t>
             </a:r>
@@ -6386,7 +6418,7 @@
             </a:r>
             <a:r>
               <a:rPr lang="en-US" sz="2100" dirty="0">
-                <a:hlinkClick r:id="rId3"/>
+                <a:hlinkClick r:id="rId4"/>
               </a:rPr>
               <a:t>http://charm.cs.illinois.edu/manuals/html/charm++/A.html</a:t>
             </a:r>

--- a/tutorial.pptx
+++ b/tutorial.pptx
@@ -6364,13 +6364,7 @@
               <a:rPr lang="en-US" sz="2100">
                 <a:hlinkClick r:id="rId2"/>
               </a:rPr>
-              <a:t>/</a:t>
-            </a:r>
-            <a:r>
-              <a:rPr lang="en-US" sz="2100">
-                <a:hlinkClick r:id="rId2"/>
-              </a:rPr>
-              <a:t>presentations</a:t>
+              <a:t>/presentations</a:t>
             </a:r>
             <a:r>
               <a:rPr lang="en-US" sz="2100" smtClean="0">
@@ -6941,6 +6935,10 @@
           <a:bodyPr/>
           <a:lstStyle/>
           <a:p>
+            <a:r>
+              <a:rPr lang="en-US" dirty="0" smtClean="0"/>
+              <a:t>Charm++/PPL Events@ SC’14</a:t>
+            </a:r>
             <a:endParaRPr lang="en-US" dirty="0"/>
           </a:p>
         </p:txBody>
@@ -6960,9 +6958,98 @@
           <a:bodyPr/>
           <a:lstStyle/>
           <a:p>
-            <a:pPr marL="0" indent="0">
-              <a:buNone/>
-            </a:pPr>
+            <a:r>
+              <a:rPr lang="en-US" dirty="0" smtClean="0"/>
+              <a:t>Tuesday</a:t>
+            </a:r>
+          </a:p>
+          <a:p>
+            <a:pPr lvl="1"/>
+            <a:r>
+              <a:rPr lang="en-US" dirty="0" smtClean="0"/>
+              <a:t>11 AM – 393-94-95 -- NAMD Irregular Topology paper</a:t>
+            </a:r>
+          </a:p>
+          <a:p>
+            <a:pPr lvl="1"/>
+            <a:r>
+              <a:rPr lang="en-US" dirty="0" smtClean="0"/>
+              <a:t>4 PM – 388-39-90 -- Dragonfly Network paper</a:t>
+            </a:r>
+          </a:p>
+          <a:p>
+            <a:pPr lvl="1"/>
+            <a:r>
+              <a:rPr lang="en-US" dirty="0" smtClean="0"/>
+              <a:t>5:15 PM onwards – Lobby -- ACM SRC and Regular Posters</a:t>
+            </a:r>
+          </a:p>
+          <a:p>
+            <a:r>
+              <a:rPr lang="en-US" dirty="0" smtClean="0"/>
+              <a:t>Wednesday</a:t>
+            </a:r>
+          </a:p>
+          <a:p>
+            <a:pPr lvl="1"/>
+            <a:r>
+              <a:rPr lang="en-US" dirty="0"/>
+              <a:t> </a:t>
+            </a:r>
+            <a:r>
+              <a:rPr lang="en-US" dirty="0" smtClean="0"/>
+              <a:t>4:30 PM – 391-92 -- Charm++ in Practice paper</a:t>
+            </a:r>
+          </a:p>
+          <a:p>
+            <a:r>
+              <a:rPr lang="en-US" dirty="0" smtClean="0"/>
+              <a:t>Thursday</a:t>
+            </a:r>
+          </a:p>
+          <a:p>
+            <a:pPr lvl="1"/>
+            <a:r>
+              <a:rPr lang="en-US" dirty="0" smtClean="0"/>
+              <a:t>10:30 AM - 393-94-95 -- Overprovisioning </a:t>
+            </a:r>
+            <a:r>
+              <a:rPr lang="en-US" dirty="0" smtClean="0"/>
+              <a:t>in </a:t>
+            </a:r>
+            <a:r>
+              <a:rPr lang="en-US" dirty="0" smtClean="0"/>
+              <a:t>Data Centers paper </a:t>
+            </a:r>
+          </a:p>
+          <a:p>
+            <a:pPr lvl="1"/>
+            <a:r>
+              <a:rPr lang="en-US" dirty="0" smtClean="0"/>
+              <a:t>12:15 PM – 292 -- Charm++ BOF</a:t>
+            </a:r>
+          </a:p>
+          <a:p>
+            <a:pPr lvl="1"/>
+            <a:r>
+              <a:rPr lang="en-US" dirty="0" smtClean="0"/>
+              <a:t>2 PM – 388-89-90 -- Opt. Data Locality </a:t>
+            </a:r>
+          </a:p>
+          <a:p>
+            <a:pPr lvl="1"/>
+            <a:r>
+              <a:rPr lang="en-US" dirty="0" smtClean="0"/>
+              <a:t>4 PM – 393-94-</a:t>
+            </a:r>
+            <a:r>
+              <a:rPr lang="en-US" smtClean="0"/>
+              <a:t>95 -- </a:t>
+            </a:r>
+            <a:r>
+              <a:rPr lang="en-US" dirty="0" smtClean="0"/>
+              <a:t>Reconfigurable Cache Hierarchy </a:t>
+            </a:r>
             <a:endParaRPr lang="en-US" dirty="0"/>
           </a:p>
         </p:txBody>
